--- a/122/NETCONF/draft-ietf-netconf-udp-notif-122.pptx
+++ b/122/NETCONF/draft-ietf-netconf-udp-notif-122.pptx
@@ -12699,7 +12699,7 @@
             </a:pPr>
             <a:r>
               <a:rPr lang="en-US" sz="1900"/>
-              <a:t>WGLC ended February 13th (successfully?)</a:t>
+              <a:t>WGLC ended February 13th (successfully)</a:t>
             </a:r>
             <a:endParaRPr sz="1900"/>
           </a:p>
@@ -13053,7 +13053,7 @@
             </a:pPr>
             <a:r>
               <a:rPr lang="en-US" sz="1900"/>
-              <a:t>Feedback: U</a:t>
+              <a:t>Received feedback: U</a:t>
             </a:r>
             <a:r>
               <a:rPr lang="en-US" sz="1900"/>
@@ -13097,7 +13097,7 @@
             </a:pPr>
             <a:r>
               <a:rPr lang="en-US" sz="1900"/>
-              <a:t>Feedback: No reason to mandate such order</a:t>
+              <a:t>Received feedback: No reason to mandate such order</a:t>
             </a:r>
             <a:endParaRPr sz="1900"/>
           </a:p>
@@ -13138,6 +13138,26 @@
             <a:r>
               <a:rPr lang="en-US" sz="1900"/>
               <a:t>DTLS 1.2 or later MUST be supported, DTLS 1.3 SHOULD be supported</a:t>
+            </a:r>
+            <a:endParaRPr sz="1900"/>
+          </a:p>
+          <a:p>
+            <a:pPr indent="-234950" lvl="2" marL="1143000" rtl="0" algn="l">
+              <a:lnSpc>
+                <a:spcPct val="115000"/>
+              </a:lnSpc>
+              <a:spcBef>
+                <a:spcPts val="0"/>
+              </a:spcBef>
+              <a:spcAft>
+                <a:spcPts val="0"/>
+              </a:spcAft>
+              <a:buSzPts val="1900"/>
+              <a:buChar char="•"/>
+            </a:pPr>
+            <a:r>
+              <a:rPr lang="en-US" sz="1900"/>
+              <a:t>Confirmed with SEC ADs (Thanks Rob for confirming this!)</a:t>
             </a:r>
             <a:endParaRPr sz="1900"/>
           </a:p>
@@ -13466,7 +13486,7 @@
             <a:endParaRPr sz="1900"/>
           </a:p>
           <a:p>
-            <a:pPr indent="-234950" lvl="0" marL="228600" rtl="0" algn="l">
+            <a:pPr indent="-234950" lvl="1" marL="685800" rtl="0" algn="l">
               <a:lnSpc>
                 <a:spcPct val="115000"/>
               </a:lnSpc>
@@ -13481,7 +13501,47 @@
             </a:pPr>
             <a:r>
               <a:rPr lang="en-US" sz="1900"/>
-              <a:t>Discussion on DTLS Fragmentation with UDP-Notif Segmentation</a:t>
+              <a:t>Usage of Message Publisher ID + Message ID</a:t>
+            </a:r>
+            <a:endParaRPr sz="1900"/>
+          </a:p>
+          <a:p>
+            <a:pPr indent="-234950" lvl="0" marL="228600" rtl="0" algn="l">
+              <a:lnSpc>
+                <a:spcPct val="115000"/>
+              </a:lnSpc>
+              <a:spcBef>
+                <a:spcPts val="0"/>
+              </a:spcBef>
+              <a:spcAft>
+                <a:spcPts val="0"/>
+              </a:spcAft>
+              <a:buSzPts val="1900"/>
+              <a:buChar char="•"/>
+            </a:pPr>
+            <a:r>
+              <a:rPr lang="en-US" sz="1900"/>
+              <a:t>Added discussion on DTLS Fragmentation with UDP-Notif Segmentation</a:t>
+            </a:r>
+            <a:endParaRPr sz="1900"/>
+          </a:p>
+          <a:p>
+            <a:pPr indent="-234950" lvl="0" marL="228600" rtl="0" algn="l">
+              <a:lnSpc>
+                <a:spcPct val="115000"/>
+              </a:lnSpc>
+              <a:spcBef>
+                <a:spcPts val="0"/>
+              </a:spcBef>
+              <a:spcAft>
+                <a:spcPts val="0"/>
+              </a:spcAft>
+              <a:buSzPts val="1900"/>
+              <a:buChar char="•"/>
+            </a:pPr>
+            <a:r>
+              <a:rPr lang="en-US" sz="1900"/>
+              <a:t>Rather than mandating DTLS cipher suites → reference BCP195</a:t>
             </a:r>
             <a:endParaRPr sz="1900"/>
           </a:p>
@@ -13521,7 +13581,35 @@
             </a:pPr>
             <a:r>
               <a:rPr lang="en-US" sz="1900"/>
-              <a:t>Security Considerations updated with template from I-D.ietf-netmod-rfc8407bis</a:t>
+              <a:t>Security Considerations updated </a:t>
+            </a:r>
+            <a:r>
+              <a:rPr lang="en-US" sz="1900"/>
+              <a:t>with </a:t>
+            </a:r>
+            <a:r>
+              <a:rPr lang="en-US" sz="1900"/>
+              <a:t>template from I-D.ietf-netmod-rfc8407bis</a:t>
+            </a:r>
+            <a:endParaRPr sz="1900"/>
+          </a:p>
+          <a:p>
+            <a:pPr indent="-234950" lvl="0" marL="228600" rtl="0" algn="l">
+              <a:lnSpc>
+                <a:spcPct val="115000"/>
+              </a:lnSpc>
+              <a:spcBef>
+                <a:spcPts val="0"/>
+              </a:spcBef>
+              <a:spcAft>
+                <a:spcPts val="0"/>
+              </a:spcAft>
+              <a:buSzPts val="1900"/>
+              <a:buChar char="•"/>
+            </a:pPr>
+            <a:r>
+              <a:rPr lang="en-US" sz="1900"/>
+              <a:t>Add statements on reasons for allocating a registry for I-D.ietf-netconf-udp-pub-channel (IANA Considerations)</a:t>
             </a:r>
             <a:endParaRPr sz="1900"/>
           </a:p>
@@ -13695,11 +13783,7 @@
             </a:pPr>
             <a:r>
               <a:rPr lang="en-US" sz="1900"/>
-              <a:t>Can we close </a:t>
-            </a:r>
-            <a:r>
-              <a:rPr lang="en-US" sz="1900"/>
-              <a:t>WGLC? (ended February 13th)</a:t>
+              <a:t>Looking for a shepherd</a:t>
             </a:r>
             <a:endParaRPr sz="1900"/>
           </a:p>

--- a/122/NETCONF/draft-ietf-netconf-udp-notif-122.pptx
+++ b/122/NETCONF/draft-ietf-netconf-udp-notif-122.pptx
@@ -13,6 +13,8 @@
     <p:sldId id="258" r:id="rId7"/>
     <p:sldId id="259" r:id="rId8"/>
     <p:sldId id="260" r:id="rId9"/>
+    <p:sldId id="261" r:id="rId10"/>
+    <p:sldId id="262" r:id="rId11"/>
   </p:sldIdLst>
   <p:sldSz cy="6858000" cx="12192000"/>
   <p:notesSz cx="6858000" cy="9144000"/>
@@ -1902,6 +1904,292 @@
             </a:pathLst>
           </a:custGeom>
         </p:spPr>
+      </p:sp>
+    </p:spTree>
+  </p:cSld>
+  <p:clrMapOvr>
+    <a:masterClrMapping/>
+  </p:clrMapOvr>
+</p:notes>
+</file>
+
+<file path=ppt/notesSlides/notesSlide6.xml><?xml version="1.0" encoding="utf-8"?>
+<p:notes xmlns:a="http://schemas.openxmlformats.org/drawingml/2006/main" xmlns:r="http://schemas.openxmlformats.org/officeDocument/2006/relationships" xmlns:mc="http://schemas.openxmlformats.org/markup-compatibility/2006" xmlns:mv="urn:schemas-microsoft-com:mac:vml" xmlns:p="http://schemas.openxmlformats.org/presentationml/2006/main" xmlns:c="http://schemas.openxmlformats.org/drawingml/2006/chart" xmlns:dgm="http://schemas.openxmlformats.org/drawingml/2006/diagram" xmlns:o="urn:schemas-microsoft-com:office:office" xmlns:v="urn:schemas-microsoft-com:vml" xmlns:pvml="urn:schemas-microsoft-com:office:powerpoint" xmlns:com="http://schemas.openxmlformats.org/drawingml/2006/compatibility" xmlns:p14="http://schemas.microsoft.com/office/powerpoint/2010/main" xmlns:p15="http://schemas.microsoft.com/office/powerpoint/2012/main" xmlns:ahyp="http://schemas.microsoft.com/office/drawing/2018/hyperlinkcolor" showMasterPhAnim="0" showMasterSp="0">
+  <p:cSld>
+    <p:spTree>
+      <p:nvGrpSpPr>
+        <p:cNvPr id="119" name="Shape 119"/>
+        <p:cNvGrpSpPr/>
+        <p:nvPr/>
+      </p:nvGrpSpPr>
+      <p:grpSpPr>
+        <a:xfrm>
+          <a:off x="0" y="0"/>
+          <a:ext cx="0" cy="0"/>
+          <a:chOff x="0" y="0"/>
+          <a:chExt cx="0" cy="0"/>
+        </a:xfrm>
+      </p:grpSpPr>
+      <p:sp>
+        <p:nvSpPr>
+          <p:cNvPr id="120" name="Google Shape;120;g33f77a48bb4_0_0:notes"/>
+          <p:cNvSpPr/>
+          <p:nvPr>
+            <p:ph idx="2" type="sldImg"/>
+          </p:nvPr>
+        </p:nvSpPr>
+        <p:spPr>
+          <a:xfrm>
+            <a:off x="685800" y="1143000"/>
+            <a:ext cx="5486400" cy="3086100"/>
+          </a:xfrm>
+          <a:custGeom>
+            <a:rect b="b" l="l" r="r" t="t"/>
+            <a:pathLst>
+              <a:path extrusionOk="0" h="120000" w="120000">
+                <a:moveTo>
+                  <a:pt x="0" y="0"/>
+                </a:moveTo>
+                <a:lnTo>
+                  <a:pt x="120000" y="0"/>
+                </a:lnTo>
+                <a:lnTo>
+                  <a:pt x="120000" y="120000"/>
+                </a:lnTo>
+                <a:lnTo>
+                  <a:pt x="0" y="120000"/>
+                </a:lnTo>
+                <a:close/>
+              </a:path>
+            </a:pathLst>
+          </a:custGeom>
+        </p:spPr>
+      </p:sp>
+      <p:sp>
+        <p:nvSpPr>
+          <p:cNvPr id="121" name="Google Shape;121;g33f77a48bb4_0_0:notes"/>
+          <p:cNvSpPr txBox="1"/>
+          <p:nvPr>
+            <p:ph idx="1" type="body"/>
+          </p:nvPr>
+        </p:nvSpPr>
+        <p:spPr>
+          <a:xfrm>
+            <a:off x="685800" y="4400550"/>
+            <a:ext cx="5486400" cy="3600600"/>
+          </a:xfrm>
+          <a:prstGeom prst="rect">
+            <a:avLst/>
+          </a:prstGeom>
+        </p:spPr>
+        <p:txBody>
+          <a:bodyPr anchorCtr="0" anchor="t" bIns="45700" lIns="91425" spcFirstLastPara="1" rIns="91425" wrap="square" tIns="45700">
+            <a:noAutofit/>
+          </a:bodyPr>
+          <a:lstStyle/>
+          <a:p>
+            <a:pPr indent="0" lvl="0" marL="0" rtl="0" algn="l">
+              <a:spcBef>
+                <a:spcPts val="0"/>
+              </a:spcBef>
+              <a:spcAft>
+                <a:spcPts val="0"/>
+              </a:spcAft>
+              <a:buNone/>
+            </a:pPr>
+            <a:r>
+              <a:t/>
+            </a:r>
+            <a:endParaRPr/>
+          </a:p>
+        </p:txBody>
+      </p:sp>
+      <p:sp>
+        <p:nvSpPr>
+          <p:cNvPr id="122" name="Google Shape;122;g33f77a48bb4_0_0:notes"/>
+          <p:cNvSpPr txBox="1"/>
+          <p:nvPr>
+            <p:ph idx="12" type="sldNum"/>
+          </p:nvPr>
+        </p:nvSpPr>
+        <p:spPr>
+          <a:xfrm>
+            <a:off x="3884613" y="8685213"/>
+            <a:ext cx="2971800" cy="458700"/>
+          </a:xfrm>
+          <a:prstGeom prst="rect">
+            <a:avLst/>
+          </a:prstGeom>
+        </p:spPr>
+        <p:txBody>
+          <a:bodyPr anchorCtr="0" anchor="b" bIns="45700" lIns="91425" spcFirstLastPara="1" rIns="91425" wrap="square" tIns="45700">
+            <a:noAutofit/>
+          </a:bodyPr>
+          <a:lstStyle/>
+          <a:p>
+            <a:pPr indent="0" lvl="0" marL="0" rtl="0" algn="r">
+              <a:spcBef>
+                <a:spcPts val="0"/>
+              </a:spcBef>
+              <a:spcAft>
+                <a:spcPts val="0"/>
+              </a:spcAft>
+              <a:buClr>
+                <a:srgbClr val="000000"/>
+              </a:buClr>
+              <a:buFont typeface="Arial"/>
+              <a:buNone/>
+            </a:pPr>
+            <a:fld id="{00000000-1234-1234-1234-123412341234}" type="slidenum">
+              <a:rPr lang="en-US"/>
+              <a:t>‹#›</a:t>
+            </a:fld>
+            <a:endParaRPr/>
+          </a:p>
+        </p:txBody>
+      </p:sp>
+    </p:spTree>
+  </p:cSld>
+  <p:clrMapOvr>
+    <a:masterClrMapping/>
+  </p:clrMapOvr>
+</p:notes>
+</file>
+
+<file path=ppt/notesSlides/notesSlide7.xml><?xml version="1.0" encoding="utf-8"?>
+<p:notes xmlns:a="http://schemas.openxmlformats.org/drawingml/2006/main" xmlns:r="http://schemas.openxmlformats.org/officeDocument/2006/relationships" xmlns:mc="http://schemas.openxmlformats.org/markup-compatibility/2006" xmlns:mv="urn:schemas-microsoft-com:mac:vml" xmlns:p="http://schemas.openxmlformats.org/presentationml/2006/main" xmlns:c="http://schemas.openxmlformats.org/drawingml/2006/chart" xmlns:dgm="http://schemas.openxmlformats.org/drawingml/2006/diagram" xmlns:o="urn:schemas-microsoft-com:office:office" xmlns:v="urn:schemas-microsoft-com:vml" xmlns:pvml="urn:schemas-microsoft-com:office:powerpoint" xmlns:com="http://schemas.openxmlformats.org/drawingml/2006/compatibility" xmlns:p14="http://schemas.microsoft.com/office/powerpoint/2010/main" xmlns:p15="http://schemas.microsoft.com/office/powerpoint/2012/main" xmlns:ahyp="http://schemas.microsoft.com/office/drawing/2018/hyperlinkcolor" showMasterPhAnim="0" showMasterSp="0">
+  <p:cSld>
+    <p:spTree>
+      <p:nvGrpSpPr>
+        <p:cNvPr id="126" name="Shape 126"/>
+        <p:cNvGrpSpPr/>
+        <p:nvPr/>
+      </p:nvGrpSpPr>
+      <p:grpSpPr>
+        <a:xfrm>
+          <a:off x="0" y="0"/>
+          <a:ext cx="0" cy="0"/>
+          <a:chOff x="0" y="0"/>
+          <a:chExt cx="0" cy="0"/>
+        </a:xfrm>
+      </p:grpSpPr>
+      <p:sp>
+        <p:nvSpPr>
+          <p:cNvPr id="127" name="Google Shape;127;g33f77a48bb4_0_6:notes"/>
+          <p:cNvSpPr/>
+          <p:nvPr>
+            <p:ph idx="2" type="sldImg"/>
+          </p:nvPr>
+        </p:nvSpPr>
+        <p:spPr>
+          <a:xfrm>
+            <a:off x="685800" y="1143000"/>
+            <a:ext cx="5486400" cy="3086100"/>
+          </a:xfrm>
+          <a:custGeom>
+            <a:rect b="b" l="l" r="r" t="t"/>
+            <a:pathLst>
+              <a:path extrusionOk="0" h="120000" w="120000">
+                <a:moveTo>
+                  <a:pt x="0" y="0"/>
+                </a:moveTo>
+                <a:lnTo>
+                  <a:pt x="120000" y="0"/>
+                </a:lnTo>
+                <a:lnTo>
+                  <a:pt x="120000" y="120000"/>
+                </a:lnTo>
+                <a:lnTo>
+                  <a:pt x="0" y="120000"/>
+                </a:lnTo>
+                <a:close/>
+              </a:path>
+            </a:pathLst>
+          </a:custGeom>
+        </p:spPr>
+      </p:sp>
+      <p:sp>
+        <p:nvSpPr>
+          <p:cNvPr id="128" name="Google Shape;128;g33f77a48bb4_0_6:notes"/>
+          <p:cNvSpPr txBox="1"/>
+          <p:nvPr>
+            <p:ph idx="1" type="body"/>
+          </p:nvPr>
+        </p:nvSpPr>
+        <p:spPr>
+          <a:xfrm>
+            <a:off x="685800" y="4400550"/>
+            <a:ext cx="5486400" cy="3600600"/>
+          </a:xfrm>
+          <a:prstGeom prst="rect">
+            <a:avLst/>
+          </a:prstGeom>
+        </p:spPr>
+        <p:txBody>
+          <a:bodyPr anchorCtr="0" anchor="t" bIns="45700" lIns="91425" spcFirstLastPara="1" rIns="91425" wrap="square" tIns="45700">
+            <a:noAutofit/>
+          </a:bodyPr>
+          <a:lstStyle/>
+          <a:p>
+            <a:pPr indent="0" lvl="0" marL="0" rtl="0" algn="l">
+              <a:spcBef>
+                <a:spcPts val="0"/>
+              </a:spcBef>
+              <a:spcAft>
+                <a:spcPts val="0"/>
+              </a:spcAft>
+              <a:buNone/>
+            </a:pPr>
+            <a:r>
+              <a:t/>
+            </a:r>
+            <a:endParaRPr/>
+          </a:p>
+        </p:txBody>
+      </p:sp>
+      <p:sp>
+        <p:nvSpPr>
+          <p:cNvPr id="129" name="Google Shape;129;g33f77a48bb4_0_6:notes"/>
+          <p:cNvSpPr txBox="1"/>
+          <p:nvPr>
+            <p:ph idx="12" type="sldNum"/>
+          </p:nvPr>
+        </p:nvSpPr>
+        <p:spPr>
+          <a:xfrm>
+            <a:off x="3884613" y="8685213"/>
+            <a:ext cx="2971800" cy="458700"/>
+          </a:xfrm>
+          <a:prstGeom prst="rect">
+            <a:avLst/>
+          </a:prstGeom>
+        </p:spPr>
+        <p:txBody>
+          <a:bodyPr anchorCtr="0" anchor="b" bIns="45700" lIns="91425" spcFirstLastPara="1" rIns="91425" wrap="square" tIns="45700">
+            <a:noAutofit/>
+          </a:bodyPr>
+          <a:lstStyle/>
+          <a:p>
+            <a:pPr indent="0" lvl="0" marL="0" rtl="0" algn="r">
+              <a:spcBef>
+                <a:spcPts val="0"/>
+              </a:spcBef>
+              <a:spcAft>
+                <a:spcPts val="0"/>
+              </a:spcAft>
+              <a:buClr>
+                <a:srgbClr val="000000"/>
+              </a:buClr>
+              <a:buFont typeface="Arial"/>
+              <a:buNone/>
+            </a:pPr>
+            <a:fld id="{00000000-1234-1234-1234-123412341234}" type="slidenum">
+              <a:rPr lang="en-US"/>
+              <a:t>‹#›</a:t>
+            </a:fld>
+            <a:endParaRPr/>
+          </a:p>
+        </p:txBody>
       </p:sp>
     </p:spTree>
   </p:cSld>
@@ -13841,6 +14129,372 @@
 </p:sld>
 </file>
 
+<file path=ppt/slides/slide6.xml><?xml version="1.0" encoding="utf-8"?>
+<p:sld xmlns:a="http://schemas.openxmlformats.org/drawingml/2006/main" xmlns:r="http://schemas.openxmlformats.org/officeDocument/2006/relationships" xmlns:mc="http://schemas.openxmlformats.org/markup-compatibility/2006" xmlns:mv="urn:schemas-microsoft-com:mac:vml" xmlns:p="http://schemas.openxmlformats.org/presentationml/2006/main" xmlns:c="http://schemas.openxmlformats.org/drawingml/2006/chart" xmlns:dgm="http://schemas.openxmlformats.org/drawingml/2006/diagram" xmlns:o="urn:schemas-microsoft-com:office:office" xmlns:v="urn:schemas-microsoft-com:vml" xmlns:pvml="urn:schemas-microsoft-com:office:powerpoint" xmlns:com="http://schemas.openxmlformats.org/drawingml/2006/compatibility" xmlns:p14="http://schemas.microsoft.com/office/powerpoint/2010/main" xmlns:p15="http://schemas.microsoft.com/office/powerpoint/2012/main" xmlns:ahyp="http://schemas.microsoft.com/office/drawing/2018/hyperlinkcolor">
+  <p:cSld>
+    <p:spTree>
+      <p:nvGrpSpPr>
+        <p:cNvPr id="123" name="Shape 123"/>
+        <p:cNvGrpSpPr/>
+        <p:nvPr/>
+      </p:nvGrpSpPr>
+      <p:grpSpPr>
+        <a:xfrm>
+          <a:off x="0" y="0"/>
+          <a:ext cx="0" cy="0"/>
+          <a:chOff x="0" y="0"/>
+          <a:chExt cx="0" cy="0"/>
+        </a:xfrm>
+      </p:grpSpPr>
+      <p:sp>
+        <p:nvSpPr>
+          <p:cNvPr id="124" name="Google Shape;124;p18"/>
+          <p:cNvSpPr txBox="1"/>
+          <p:nvPr>
+            <p:ph type="ctrTitle"/>
+          </p:nvPr>
+        </p:nvSpPr>
+        <p:spPr>
+          <a:xfrm>
+            <a:off x="1524000" y="1122363"/>
+            <a:ext cx="9144000" cy="2387700"/>
+          </a:xfrm>
+          <a:prstGeom prst="rect">
+            <a:avLst/>
+          </a:prstGeom>
+        </p:spPr>
+        <p:txBody>
+          <a:bodyPr anchorCtr="0" anchor="b" bIns="45700" lIns="91425" spcFirstLastPara="1" rIns="91425" wrap="square" tIns="45700">
+            <a:normAutofit/>
+          </a:bodyPr>
+          <a:lstStyle/>
+          <a:p>
+            <a:pPr indent="0" lvl="0" marL="0" rtl="0" algn="ctr">
+              <a:spcBef>
+                <a:spcPts val="0"/>
+              </a:spcBef>
+              <a:spcAft>
+                <a:spcPts val="0"/>
+              </a:spcAft>
+              <a:buNone/>
+            </a:pPr>
+            <a:r>
+              <a:rPr lang="en-US"/>
+              <a:t>Backup</a:t>
+            </a:r>
+            <a:endParaRPr/>
+          </a:p>
+        </p:txBody>
+      </p:sp>
+      <p:sp>
+        <p:nvSpPr>
+          <p:cNvPr id="125" name="Google Shape;125;p18"/>
+          <p:cNvSpPr txBox="1"/>
+          <p:nvPr>
+            <p:ph idx="1" type="subTitle"/>
+          </p:nvPr>
+        </p:nvSpPr>
+        <p:spPr>
+          <a:xfrm>
+            <a:off x="1524000" y="3602038"/>
+            <a:ext cx="9144000" cy="1655700"/>
+          </a:xfrm>
+          <a:prstGeom prst="rect">
+            <a:avLst/>
+          </a:prstGeom>
+        </p:spPr>
+        <p:txBody>
+          <a:bodyPr anchorCtr="0" anchor="t" bIns="45700" lIns="91425" spcFirstLastPara="1" rIns="91425" wrap="square" tIns="45700">
+            <a:normAutofit/>
+          </a:bodyPr>
+          <a:lstStyle/>
+          <a:p>
+            <a:pPr indent="0" lvl="0" marL="0" rtl="0" algn="ctr">
+              <a:spcBef>
+                <a:spcPts val="1000"/>
+              </a:spcBef>
+              <a:spcAft>
+                <a:spcPts val="0"/>
+              </a:spcAft>
+              <a:buNone/>
+            </a:pPr>
+            <a:r>
+              <a:t/>
+            </a:r>
+            <a:endParaRPr/>
+          </a:p>
+        </p:txBody>
+      </p:sp>
+    </p:spTree>
+  </p:cSld>
+  <p:clrMapOvr>
+    <a:masterClrMapping/>
+  </p:clrMapOvr>
+</p:sld>
+</file>
+
+<file path=ppt/slides/slide7.xml><?xml version="1.0" encoding="utf-8"?>
+<p:sld xmlns:a="http://schemas.openxmlformats.org/drawingml/2006/main" xmlns:r="http://schemas.openxmlformats.org/officeDocument/2006/relationships" xmlns:mc="http://schemas.openxmlformats.org/markup-compatibility/2006" xmlns:mv="urn:schemas-microsoft-com:mac:vml" xmlns:p="http://schemas.openxmlformats.org/presentationml/2006/main" xmlns:c="http://schemas.openxmlformats.org/drawingml/2006/chart" xmlns:dgm="http://schemas.openxmlformats.org/drawingml/2006/diagram" xmlns:o="urn:schemas-microsoft-com:office:office" xmlns:v="urn:schemas-microsoft-com:vml" xmlns:pvml="urn:schemas-microsoft-com:office:powerpoint" xmlns:com="http://schemas.openxmlformats.org/drawingml/2006/compatibility" xmlns:p14="http://schemas.microsoft.com/office/powerpoint/2010/main" xmlns:p15="http://schemas.microsoft.com/office/powerpoint/2012/main" xmlns:ahyp="http://schemas.microsoft.com/office/drawing/2018/hyperlinkcolor">
+  <p:cSld>
+    <p:spTree>
+      <p:nvGrpSpPr>
+        <p:cNvPr id="130" name="Shape 130"/>
+        <p:cNvGrpSpPr/>
+        <p:nvPr/>
+      </p:nvGrpSpPr>
+      <p:grpSpPr>
+        <a:xfrm>
+          <a:off x="0" y="0"/>
+          <a:ext cx="0" cy="0"/>
+          <a:chOff x="0" y="0"/>
+          <a:chExt cx="0" cy="0"/>
+        </a:xfrm>
+      </p:grpSpPr>
+      <p:sp>
+        <p:nvSpPr>
+          <p:cNvPr id="131" name="Google Shape;131;p19"/>
+          <p:cNvSpPr txBox="1"/>
+          <p:nvPr>
+            <p:ph type="title"/>
+          </p:nvPr>
+        </p:nvSpPr>
+        <p:spPr>
+          <a:xfrm>
+            <a:off x="838200" y="365125"/>
+            <a:ext cx="10515600" cy="887400"/>
+          </a:xfrm>
+          <a:prstGeom prst="rect">
+            <a:avLst/>
+          </a:prstGeom>
+        </p:spPr>
+        <p:txBody>
+          <a:bodyPr anchorCtr="0" anchor="ctr" bIns="45700" lIns="91425" spcFirstLastPara="1" rIns="91425" wrap="square" tIns="45700">
+            <a:normAutofit/>
+          </a:bodyPr>
+          <a:lstStyle/>
+          <a:p>
+            <a:pPr indent="0" lvl="0" marL="0" rtl="0" algn="l">
+              <a:spcBef>
+                <a:spcPts val="0"/>
+              </a:spcBef>
+              <a:spcAft>
+                <a:spcPts val="0"/>
+              </a:spcAft>
+              <a:buNone/>
+            </a:pPr>
+            <a:r>
+              <a:rPr lang="en-US" sz="3700"/>
+              <a:t>(</a:t>
+            </a:r>
+            <a:r>
+              <a:rPr lang="en-US" sz="3700"/>
+              <a:t>Removed) Private Encoding Option</a:t>
+            </a:r>
+            <a:endParaRPr sz="3700"/>
+          </a:p>
+        </p:txBody>
+      </p:sp>
+      <p:pic>
+        <p:nvPicPr>
+          <p:cNvPr id="132" name="Google Shape;132;p19" title="Screenshot 2025-03-12 at 15.49.19.png"/>
+          <p:cNvPicPr preferRelativeResize="0"/>
+          <p:nvPr/>
+        </p:nvPicPr>
+        <p:blipFill>
+          <a:blip r:embed="rId3">
+            <a:alphaModFix/>
+          </a:blip>
+          <a:stretch>
+            <a:fillRect/>
+          </a:stretch>
+        </p:blipFill>
+        <p:spPr>
+          <a:xfrm>
+            <a:off x="6542100" y="3651150"/>
+            <a:ext cx="5531926" cy="1596575"/>
+          </a:xfrm>
+          <a:prstGeom prst="rect">
+            <a:avLst/>
+          </a:prstGeom>
+          <a:noFill/>
+          <a:ln>
+            <a:noFill/>
+          </a:ln>
+        </p:spPr>
+      </p:pic>
+      <p:sp>
+        <p:nvSpPr>
+          <p:cNvPr id="133" name="Google Shape;133;p19"/>
+          <p:cNvSpPr txBox="1"/>
+          <p:nvPr/>
+        </p:nvSpPr>
+        <p:spPr>
+          <a:xfrm>
+            <a:off x="838200" y="1392600"/>
+            <a:ext cx="8933700" cy="1154400"/>
+          </a:xfrm>
+          <a:prstGeom prst="rect">
+            <a:avLst/>
+          </a:prstGeom>
+          <a:noFill/>
+          <a:ln>
+            <a:noFill/>
+          </a:ln>
+        </p:spPr>
+        <p:txBody>
+          <a:bodyPr anchorCtr="0" anchor="t" bIns="91425" lIns="91425" spcFirstLastPara="1" rIns="91425" wrap="square" tIns="91425">
+            <a:spAutoFit/>
+          </a:bodyPr>
+          <a:lstStyle/>
+          <a:p>
+            <a:pPr indent="-361950" lvl="0" marL="457200" rtl="0" algn="l">
+              <a:spcBef>
+                <a:spcPts val="0"/>
+              </a:spcBef>
+              <a:spcAft>
+                <a:spcPts val="0"/>
+              </a:spcAft>
+              <a:buClr>
+                <a:schemeClr val="dk1"/>
+              </a:buClr>
+              <a:buSzPts val="2100"/>
+              <a:buFont typeface="Calibri"/>
+              <a:buChar char="-"/>
+            </a:pPr>
+            <a:r>
+              <a:rPr lang="en-US" sz="2100">
+                <a:solidFill>
+                  <a:schemeClr val="dk1"/>
+                </a:solidFill>
+                <a:latin typeface="Calibri"/>
+                <a:ea typeface="Calibri"/>
+                <a:cs typeface="Calibri"/>
+                <a:sym typeface="Calibri"/>
+              </a:rPr>
+              <a:t>Generic TLV to define private encodings</a:t>
+            </a:r>
+            <a:endParaRPr sz="2100">
+              <a:solidFill>
+                <a:schemeClr val="dk1"/>
+              </a:solidFill>
+              <a:latin typeface="Calibri"/>
+              <a:ea typeface="Calibri"/>
+              <a:cs typeface="Calibri"/>
+              <a:sym typeface="Calibri"/>
+            </a:endParaRPr>
+          </a:p>
+          <a:p>
+            <a:pPr indent="-361950" lvl="0" marL="457200" rtl="0" algn="l">
+              <a:spcBef>
+                <a:spcPts val="0"/>
+              </a:spcBef>
+              <a:spcAft>
+                <a:spcPts val="0"/>
+              </a:spcAft>
+              <a:buClr>
+                <a:schemeClr val="dk1"/>
+              </a:buClr>
+              <a:buSzPts val="2100"/>
+              <a:buFont typeface="Calibri"/>
+              <a:buChar char="-"/>
+            </a:pPr>
+            <a:r>
+              <a:rPr lang="en-US" sz="2100">
+                <a:solidFill>
+                  <a:schemeClr val="dk1"/>
+                </a:solidFill>
+                <a:latin typeface="Calibri"/>
+                <a:ea typeface="Calibri"/>
+                <a:cs typeface="Calibri"/>
+                <a:sym typeface="Calibri"/>
+              </a:rPr>
+              <a:t>Format defined by the user</a:t>
+            </a:r>
+            <a:endParaRPr sz="2100">
+              <a:solidFill>
+                <a:schemeClr val="dk1"/>
+              </a:solidFill>
+              <a:latin typeface="Calibri"/>
+              <a:ea typeface="Calibri"/>
+              <a:cs typeface="Calibri"/>
+              <a:sym typeface="Calibri"/>
+            </a:endParaRPr>
+          </a:p>
+          <a:p>
+            <a:pPr indent="-361950" lvl="0" marL="457200" rtl="0" algn="l">
+              <a:spcBef>
+                <a:spcPts val="0"/>
+              </a:spcBef>
+              <a:spcAft>
+                <a:spcPts val="0"/>
+              </a:spcAft>
+              <a:buClr>
+                <a:schemeClr val="dk1"/>
+              </a:buClr>
+              <a:buSzPts val="2100"/>
+              <a:buFont typeface="Calibri"/>
+              <a:buChar char="-"/>
+            </a:pPr>
+            <a:r>
+              <a:rPr lang="en-US" sz="2100">
+                <a:solidFill>
+                  <a:schemeClr val="dk1"/>
+                </a:solidFill>
+                <a:latin typeface="Calibri"/>
+                <a:ea typeface="Calibri"/>
+                <a:cs typeface="Calibri"/>
+                <a:sym typeface="Calibri"/>
+              </a:rPr>
+              <a:t>To be used together with the MT value </a:t>
+            </a:r>
+            <a:endParaRPr sz="2100">
+              <a:solidFill>
+                <a:schemeClr val="dk1"/>
+              </a:solidFill>
+              <a:latin typeface="Calibri"/>
+              <a:ea typeface="Calibri"/>
+              <a:cs typeface="Calibri"/>
+              <a:sym typeface="Calibri"/>
+            </a:endParaRPr>
+          </a:p>
+        </p:txBody>
+      </p:sp>
+      <p:pic>
+        <p:nvPicPr>
+          <p:cNvPr id="134" name="Google Shape;134;p19" title="Screenshot 2025-03-12 at 15.51.56.png"/>
+          <p:cNvPicPr preferRelativeResize="0"/>
+          <p:nvPr/>
+        </p:nvPicPr>
+        <p:blipFill>
+          <a:blip r:embed="rId4">
+            <a:alphaModFix/>
+          </a:blip>
+          <a:stretch>
+            <a:fillRect/>
+          </a:stretch>
+        </p:blipFill>
+        <p:spPr>
+          <a:xfrm>
+            <a:off x="297775" y="2928425"/>
+            <a:ext cx="6112950" cy="2231725"/>
+          </a:xfrm>
+          <a:prstGeom prst="rect">
+            <a:avLst/>
+          </a:prstGeom>
+          <a:noFill/>
+          <a:ln>
+            <a:noFill/>
+          </a:ln>
+        </p:spPr>
+      </p:pic>
+    </p:spTree>
+  </p:cSld>
+  <p:clrMapOvr>
+    <a:masterClrMapping/>
+  </p:clrMapOvr>
+</p:sld>
+</file>
+
 <file path=ppt/theme/theme1.xml><?xml version="1.0" encoding="utf-8"?>
 <a:theme xmlns:a="http://schemas.openxmlformats.org/drawingml/2006/main" xmlns:r="http://schemas.openxmlformats.org/officeDocument/2006/relationships" name="Office Theme">
   <a:themeElements>
